--- a/Slides/04：語言模型的演進/09：Transformer的出現.pptx
+++ b/Slides/04：語言模型的演進/09：Transformer的出現.pptx
@@ -202,7 +202,7 @@
           <a:p>
             <a:fld id="{47133A9E-E36A-47C1-9D24-DE06DE7BA51D}" type="datetimeFigureOut">
               <a:rPr lang="zh-TW" altLang="en-US" smtClean="0"/>
-              <a:t>2024/3/14</a:t>
+              <a:t>2024/5/6</a:t>
             </a:fld>
             <a:endParaRPr lang="zh-TW" altLang="en-US"/>
           </a:p>
@@ -1365,7 +1365,7 @@
           <a:p>
             <a:fld id="{06657AB5-D87F-46B1-A7C7-5431C8095EE1}" type="datetimeFigureOut">
               <a:rPr lang="zh-TW" altLang="en-US" smtClean="0"/>
-              <a:t>2024/3/14</a:t>
+              <a:t>2024/5/6</a:t>
             </a:fld>
             <a:endParaRPr lang="zh-TW" altLang="en-US"/>
           </a:p>
@@ -1563,7 +1563,7 @@
           <a:p>
             <a:fld id="{06657AB5-D87F-46B1-A7C7-5431C8095EE1}" type="datetimeFigureOut">
               <a:rPr lang="zh-TW" altLang="en-US" smtClean="0"/>
-              <a:t>2024/3/14</a:t>
+              <a:t>2024/5/6</a:t>
             </a:fld>
             <a:endParaRPr lang="zh-TW" altLang="en-US"/>
           </a:p>
@@ -1771,7 +1771,7 @@
           <a:p>
             <a:fld id="{06657AB5-D87F-46B1-A7C7-5431C8095EE1}" type="datetimeFigureOut">
               <a:rPr lang="zh-TW" altLang="en-US" smtClean="0"/>
-              <a:t>2024/3/14</a:t>
+              <a:t>2024/5/6</a:t>
             </a:fld>
             <a:endParaRPr lang="zh-TW" altLang="en-US"/>
           </a:p>
@@ -2152,7 +2152,7 @@
                 </a:solidFill>
               </a:rPr>
               <a:pPr/>
-              <a:t>3/14/2024</a:t>
+              <a:t>5/6/2024</a:t>
             </a:fld>
             <a:endParaRPr kumimoji="0" lang="en-US" dirty="0"/>
           </a:p>
@@ -2383,7 +2383,7 @@
                 </a:solidFill>
               </a:rPr>
               <a:pPr/>
-              <a:t>3/14/2024</a:t>
+              <a:t>5/6/2024</a:t>
             </a:fld>
             <a:endParaRPr kumimoji="0" lang="en-US" dirty="0"/>
           </a:p>
@@ -2616,7 +2616,7 @@
                 </a:solidFill>
               </a:rPr>
               <a:pPr/>
-              <a:t>3/14/2024</a:t>
+              <a:t>5/6/2024</a:t>
             </a:fld>
             <a:endParaRPr kumimoji="0" lang="en-US" dirty="0"/>
           </a:p>
@@ -3098,7 +3098,7 @@
                 </a:solidFill>
               </a:rPr>
               <a:pPr/>
-              <a:t>3/14/2024</a:t>
+              <a:t>5/6/2024</a:t>
             </a:fld>
             <a:endParaRPr kumimoji="0" lang="en-US" dirty="0"/>
           </a:p>
@@ -3455,7 +3455,7 @@
                 </a:solidFill>
               </a:rPr>
               <a:pPr/>
-              <a:t>3/14/2024</a:t>
+              <a:t>5/6/2024</a:t>
             </a:fld>
             <a:endParaRPr kumimoji="0" lang="en-US" dirty="0"/>
           </a:p>
@@ -3818,7 +3818,7 @@
                 </a:solidFill>
               </a:rPr>
               <a:pPr/>
-              <a:t>3/14/2024</a:t>
+              <a:t>5/6/2024</a:t>
             </a:fld>
             <a:endParaRPr kumimoji="0" lang="en-US" dirty="0"/>
           </a:p>
@@ -4128,7 +4128,7 @@
                 </a:solidFill>
               </a:rPr>
               <a:pPr/>
-              <a:t>3/14/2024</a:t>
+              <a:t>5/6/2024</a:t>
             </a:fld>
             <a:endParaRPr kumimoji="0" lang="en-US" dirty="0"/>
           </a:p>
@@ -4323,7 +4323,7 @@
           <a:p>
             <a:fld id="{06657AB5-D87F-46B1-A7C7-5431C8095EE1}" type="datetimeFigureOut">
               <a:rPr lang="zh-TW" altLang="en-US" smtClean="0"/>
-              <a:t>2024/3/14</a:t>
+              <a:t>2024/5/6</a:t>
             </a:fld>
             <a:endParaRPr lang="zh-TW" altLang="en-US"/>
           </a:p>
@@ -4807,7 +4807,7 @@
                 </a:solidFill>
               </a:rPr>
               <a:pPr/>
-              <a:t>3/14/2024</a:t>
+              <a:t>5/6/2024</a:t>
             </a:fld>
             <a:endParaRPr kumimoji="0" lang="en-US" dirty="0"/>
           </a:p>
@@ -5203,7 +5203,7 @@
                 </a:solidFill>
               </a:rPr>
               <a:pPr/>
-              <a:t>3/14/2024</a:t>
+              <a:t>5/6/2024</a:t>
             </a:fld>
             <a:endParaRPr kumimoji="0" lang="en-US" dirty="0"/>
           </a:p>
@@ -5543,7 +5543,7 @@
                 </a:solidFill>
               </a:rPr>
               <a:pPr/>
-              <a:t>3/14/2024</a:t>
+              <a:t>5/6/2024</a:t>
             </a:fld>
             <a:endParaRPr kumimoji="0" lang="en-US" dirty="0"/>
           </a:p>
@@ -6124,7 +6124,7 @@
                 </a:solidFill>
               </a:rPr>
               <a:pPr/>
-              <a:t>3/14/2024</a:t>
+              <a:t>5/6/2024</a:t>
             </a:fld>
             <a:endParaRPr kumimoji="0" lang="en-US" dirty="0"/>
           </a:p>
@@ -6693,7 +6693,7 @@
                 </a:solidFill>
               </a:rPr>
               <a:pPr/>
-              <a:t>3/14/2024</a:t>
+              <a:t>5/6/2024</a:t>
             </a:fld>
             <a:endParaRPr kumimoji="0" lang="en-US" dirty="0"/>
           </a:p>
@@ -7157,7 +7157,7 @@
                 </a:solidFill>
               </a:rPr>
               <a:pPr/>
-              <a:t>3/14/2024</a:t>
+              <a:t>5/6/2024</a:t>
             </a:fld>
             <a:endParaRPr kumimoji="0" lang="en-US" dirty="0"/>
           </a:p>
@@ -7586,7 +7586,7 @@
                 </a:solidFill>
               </a:rPr>
               <a:pPr/>
-              <a:t>3/14/2024</a:t>
+              <a:t>5/6/2024</a:t>
             </a:fld>
             <a:endParaRPr kumimoji="0" lang="en-US" dirty="0"/>
           </a:p>
@@ -8095,7 +8095,7 @@
                 </a:solidFill>
               </a:rPr>
               <a:pPr/>
-              <a:t>3/14/2024</a:t>
+              <a:t>5/6/2024</a:t>
             </a:fld>
             <a:endParaRPr kumimoji="0" lang="en-US" dirty="0"/>
           </a:p>
@@ -8604,7 +8604,7 @@
                 </a:solidFill>
               </a:rPr>
               <a:pPr/>
-              <a:t>3/14/2024</a:t>
+              <a:t>5/6/2024</a:t>
             </a:fld>
             <a:endParaRPr kumimoji="0" lang="en-US" dirty="0"/>
           </a:p>
@@ -8825,7 +8825,7 @@
                 </a:solidFill>
               </a:rPr>
               <a:pPr/>
-              <a:t>3/14/2024</a:t>
+              <a:t>5/6/2024</a:t>
             </a:fld>
             <a:endParaRPr kumimoji="0" lang="en-US" dirty="0"/>
           </a:p>
@@ -9097,7 +9097,7 @@
           <a:p>
             <a:fld id="{06657AB5-D87F-46B1-A7C7-5431C8095EE1}" type="datetimeFigureOut">
               <a:rPr lang="zh-TW" altLang="en-US" smtClean="0"/>
-              <a:t>2024/3/14</a:t>
+              <a:t>2024/5/6</a:t>
             </a:fld>
             <a:endParaRPr lang="zh-TW" altLang="en-US"/>
           </a:p>
@@ -9433,7 +9433,7 @@
                 </a:solidFill>
               </a:rPr>
               <a:pPr/>
-              <a:t>3/14/2024</a:t>
+              <a:t>5/6/2024</a:t>
             </a:fld>
             <a:endParaRPr kumimoji="0" lang="en-US" dirty="0"/>
           </a:p>
@@ -9657,7 +9657,7 @@
                 </a:solidFill>
               </a:rPr>
               <a:pPr/>
-              <a:t>3/14/2024</a:t>
+              <a:t>5/6/2024</a:t>
             </a:fld>
             <a:endParaRPr kumimoji="0" lang="en-US" dirty="0"/>
           </a:p>
@@ -9838,7 +9838,7 @@
             <a:fld id="{ACB2EC6F-6501-4E04-BD6C-A8A6CABB2C5B}" type="datetimeFigureOut">
               <a:rPr kumimoji="0" lang="en-US" smtClean="0"/>
               <a:pPr/>
-              <a:t>3/14/2024</a:t>
+              <a:t>5/6/2024</a:t>
             </a:fld>
             <a:endParaRPr kumimoji="0" lang="en-US" dirty="0"/>
           </a:p>
@@ -10122,7 +10122,7 @@
           <a:p>
             <a:fld id="{06657AB5-D87F-46B1-A7C7-5431C8095EE1}" type="datetimeFigureOut">
               <a:rPr lang="zh-TW" altLang="en-US" smtClean="0"/>
-              <a:t>2024/3/14</a:t>
+              <a:t>2024/5/6</a:t>
             </a:fld>
             <a:endParaRPr lang="zh-TW" altLang="en-US"/>
           </a:p>
@@ -10534,7 +10534,7 @@
           <a:p>
             <a:fld id="{06657AB5-D87F-46B1-A7C7-5431C8095EE1}" type="datetimeFigureOut">
               <a:rPr lang="zh-TW" altLang="en-US" smtClean="0"/>
-              <a:t>2024/3/14</a:t>
+              <a:t>2024/5/6</a:t>
             </a:fld>
             <a:endParaRPr lang="zh-TW" altLang="en-US"/>
           </a:p>
@@ -10675,7 +10675,7 @@
           <a:p>
             <a:fld id="{06657AB5-D87F-46B1-A7C7-5431C8095EE1}" type="datetimeFigureOut">
               <a:rPr lang="zh-TW" altLang="en-US" smtClean="0"/>
-              <a:t>2024/3/14</a:t>
+              <a:t>2024/5/6</a:t>
             </a:fld>
             <a:endParaRPr lang="zh-TW" altLang="en-US"/>
           </a:p>
@@ -10788,7 +10788,7 @@
           <a:p>
             <a:fld id="{06657AB5-D87F-46B1-A7C7-5431C8095EE1}" type="datetimeFigureOut">
               <a:rPr lang="zh-TW" altLang="en-US" smtClean="0"/>
-              <a:t>2024/3/14</a:t>
+              <a:t>2024/5/6</a:t>
             </a:fld>
             <a:endParaRPr lang="zh-TW" altLang="en-US"/>
           </a:p>
@@ -11099,7 +11099,7 @@
           <a:p>
             <a:fld id="{06657AB5-D87F-46B1-A7C7-5431C8095EE1}" type="datetimeFigureOut">
               <a:rPr lang="zh-TW" altLang="en-US" smtClean="0"/>
-              <a:t>2024/3/14</a:t>
+              <a:t>2024/5/6</a:t>
             </a:fld>
             <a:endParaRPr lang="zh-TW" altLang="en-US"/>
           </a:p>
@@ -11387,7 +11387,7 @@
           <a:p>
             <a:fld id="{06657AB5-D87F-46B1-A7C7-5431C8095EE1}" type="datetimeFigureOut">
               <a:rPr lang="zh-TW" altLang="en-US" smtClean="0"/>
-              <a:t>2024/3/14</a:t>
+              <a:t>2024/5/6</a:t>
             </a:fld>
             <a:endParaRPr lang="zh-TW" altLang="en-US"/>
           </a:p>
@@ -11628,7 +11628,7 @@
           <a:p>
             <a:fld id="{06657AB5-D87F-46B1-A7C7-5431C8095EE1}" type="datetimeFigureOut">
               <a:rPr lang="zh-TW" altLang="en-US" smtClean="0"/>
-              <a:t>2024/3/14</a:t>
+              <a:t>2024/5/6</a:t>
             </a:fld>
             <a:endParaRPr lang="zh-TW" altLang="en-US"/>
           </a:p>
@@ -12200,7 +12200,7 @@
                 </a:solidFill>
               </a:rPr>
               <a:pPr/>
-              <a:t>3/14/2024</a:t>
+              <a:t>5/6/2024</a:t>
             </a:fld>
             <a:endParaRPr kumimoji="0" lang="en-US" sz="1200" dirty="0">
               <a:solidFill>
@@ -12764,7 +12764,7 @@
                 <a:ea typeface="新細明體" panose="02020500000000000000" pitchFamily="18" charset="-120"/>
               </a:rPr>
               <a:pPr/>
-              <a:t>3/14/2024</a:t>
+              <a:t>5/6/2024</a:t>
             </a:fld>
             <a:endParaRPr lang="en-US" dirty="0">
               <a:solidFill>
@@ -12964,7 +12964,7 @@
                 <a:cs typeface="Arial" panose="020B0604020202020204" pitchFamily="34" charset="0"/>
               </a:rPr>
               <a:pPr/>
-              <a:t>3/14/2024</a:t>
+              <a:t>5/6/2024</a:t>
             </a:fld>
             <a:endParaRPr lang="en-US" dirty="0">
               <a:solidFill>
@@ -14200,7 +14200,7 @@
                 <a:cs typeface="Arial" panose="020B0604020202020204" pitchFamily="34" charset="0"/>
               </a:rPr>
               <a:pPr/>
-              <a:t>3/14/2024</a:t>
+              <a:t>5/6/2024</a:t>
             </a:fld>
             <a:endParaRPr lang="en-US" dirty="0">
               <a:solidFill>
@@ -14382,7 +14382,7 @@
                 <a:cs typeface="Arial" panose="020B0604020202020204" pitchFamily="34" charset="0"/>
               </a:rPr>
               <a:pPr/>
-              <a:t>3/14/2024</a:t>
+              <a:t>5/6/2024</a:t>
             </a:fld>
             <a:endParaRPr lang="en-US" dirty="0">
               <a:solidFill>
@@ -14594,7 +14594,7 @@
                 <a:cs typeface="Arial" panose="020B0604020202020204" pitchFamily="34" charset="0"/>
               </a:rPr>
               <a:pPr/>
-              <a:t>3/14/2024</a:t>
+              <a:t>5/6/2024</a:t>
             </a:fld>
             <a:endParaRPr lang="en-US" dirty="0">
               <a:solidFill>
